--- a/Doc/FinalPresentation/FinalPresentation.pptx
+++ b/Doc/FinalPresentation/FinalPresentation.pptx
@@ -5,7 +5,7 @@
     <p:sldMasterId id="2147483648" r:id="rId1"/>
   </p:sldMasterIdLst>
   <p:notesMasterIdLst>
-    <p:notesMasterId r:id="rId26"/>
+    <p:notesMasterId r:id="rId27"/>
   </p:notesMasterIdLst>
   <p:sldIdLst>
     <p:sldId id="256" r:id="rId2"/>
@@ -14,24 +14,25 @@
     <p:sldId id="258" r:id="rId5"/>
     <p:sldId id="260" r:id="rId6"/>
     <p:sldId id="276" r:id="rId7"/>
-    <p:sldId id="262" r:id="rId8"/>
-    <p:sldId id="271" r:id="rId9"/>
-    <p:sldId id="263" r:id="rId10"/>
-    <p:sldId id="272" r:id="rId11"/>
-    <p:sldId id="264" r:id="rId12"/>
-    <p:sldId id="273" r:id="rId13"/>
-    <p:sldId id="265" r:id="rId14"/>
-    <p:sldId id="274" r:id="rId15"/>
-    <p:sldId id="277" r:id="rId16"/>
-    <p:sldId id="267" r:id="rId17"/>
-    <p:sldId id="266" r:id="rId18"/>
-    <p:sldId id="278" r:id="rId19"/>
-    <p:sldId id="269" r:id="rId20"/>
-    <p:sldId id="279" r:id="rId21"/>
-    <p:sldId id="281" r:id="rId22"/>
-    <p:sldId id="280" r:id="rId23"/>
-    <p:sldId id="261" r:id="rId24"/>
-    <p:sldId id="275" r:id="rId25"/>
+    <p:sldId id="282" r:id="rId8"/>
+    <p:sldId id="262" r:id="rId9"/>
+    <p:sldId id="271" r:id="rId10"/>
+    <p:sldId id="263" r:id="rId11"/>
+    <p:sldId id="272" r:id="rId12"/>
+    <p:sldId id="264" r:id="rId13"/>
+    <p:sldId id="273" r:id="rId14"/>
+    <p:sldId id="265" r:id="rId15"/>
+    <p:sldId id="274" r:id="rId16"/>
+    <p:sldId id="277" r:id="rId17"/>
+    <p:sldId id="267" r:id="rId18"/>
+    <p:sldId id="266" r:id="rId19"/>
+    <p:sldId id="278" r:id="rId20"/>
+    <p:sldId id="269" r:id="rId21"/>
+    <p:sldId id="279" r:id="rId22"/>
+    <p:sldId id="281" r:id="rId23"/>
+    <p:sldId id="280" r:id="rId24"/>
+    <p:sldId id="261" r:id="rId25"/>
+    <p:sldId id="275" r:id="rId26"/>
   </p:sldIdLst>
   <p:sldSz cx="12192000" cy="6858000"/>
   <p:notesSz cx="6858000" cy="9144000"/>
@@ -6494,7 +6495,7 @@
         </p:blipFill>
         <p:spPr>
           <a:xfrm>
-            <a:off x="6626618" y="1643605"/>
+            <a:off x="6847334" y="1643605"/>
             <a:ext cx="4932818" cy="4323144"/>
           </a:xfrm>
           <a:prstGeom prst="rect">
@@ -6570,6 +6571,96 @@
           </a:p>
         </p:txBody>
       </p:sp>
+      <p:pic>
+        <p:nvPicPr>
+          <p:cNvPr id="4" name="Content Placeholder 3"/>
+          <p:cNvPicPr>
+            <a:picLocks noGrp="1" noChangeAspect="1"/>
+          </p:cNvPicPr>
+          <p:nvPr>
+            <p:ph idx="1"/>
+          </p:nvPr>
+        </p:nvPicPr>
+        <p:blipFill>
+          <a:blip r:embed="rId2">
+            <a:extLst>
+              <a:ext uri="{28A0092B-C50C-407E-A947-70E740481C1C}">
+                <a14:useLocalDpi xmlns:a14="http://schemas.microsoft.com/office/drawing/2010/main" val="0"/>
+              </a:ext>
+            </a:extLst>
+          </a:blip>
+          <a:stretch>
+            <a:fillRect/>
+          </a:stretch>
+        </p:blipFill>
+        <p:spPr>
+          <a:xfrm>
+            <a:off x="2936951" y="2052638"/>
+            <a:ext cx="5279874" cy="4195762"/>
+          </a:xfrm>
+        </p:spPr>
+      </p:pic>
+    </p:spTree>
+    <p:extLst>
+      <p:ext uri="{BB962C8B-B14F-4D97-AF65-F5344CB8AC3E}">
+        <p14:creationId xmlns:p14="http://schemas.microsoft.com/office/powerpoint/2010/main" val="1783800799"/>
+      </p:ext>
+    </p:extLst>
+  </p:cSld>
+  <p:clrMapOvr>
+    <a:masterClrMapping/>
+  </p:clrMapOvr>
+</p:sld>
+</file>
+
+<file path=ppt/slides/slide11.xml><?xml version="1.0" encoding="utf-8"?>
+<p:sld xmlns:a="http://schemas.openxmlformats.org/drawingml/2006/main" xmlns:r="http://schemas.openxmlformats.org/officeDocument/2006/relationships" xmlns:p="http://schemas.openxmlformats.org/presentationml/2006/main">
+  <p:cSld>
+    <p:spTree>
+      <p:nvGrpSpPr>
+        <p:cNvPr id="1" name=""/>
+        <p:cNvGrpSpPr/>
+        <p:nvPr/>
+      </p:nvGrpSpPr>
+      <p:grpSpPr>
+        <a:xfrm>
+          <a:off x="0" y="0"/>
+          <a:ext cx="0" cy="0"/>
+          <a:chOff x="0" y="0"/>
+          <a:chExt cx="0" cy="0"/>
+        </a:xfrm>
+      </p:grpSpPr>
+      <p:sp>
+        <p:nvSpPr>
+          <p:cNvPr id="2" name="Title 1"/>
+          <p:cNvSpPr>
+            <a:spLocks noGrp="1"/>
+          </p:cNvSpPr>
+          <p:nvPr>
+            <p:ph type="title"/>
+          </p:nvPr>
+        </p:nvSpPr>
+        <p:spPr/>
+        <p:txBody>
+          <a:bodyPr/>
+          <a:lstStyle/>
+          <a:p>
+            <a:r>
+              <a:rPr lang="en-US" dirty="0" smtClean="0"/>
+              <a:t>Design </a:t>
+            </a:r>
+            <a:r>
+              <a:rPr lang="mr-IN" dirty="0" smtClean="0"/>
+              <a:t>–</a:t>
+            </a:r>
+            <a:r>
+              <a:rPr lang="en-US" dirty="0" smtClean="0"/>
+              <a:t> Kareem Says</a:t>
+            </a:r>
+            <a:endParaRPr lang="en-US" dirty="0"/>
+          </a:p>
+        </p:txBody>
+      </p:sp>
       <p:sp>
         <p:nvSpPr>
           <p:cNvPr id="3" name="Content Placeholder 2"/>
@@ -6618,7 +6709,7 @@
           <a:p>
             <a:r>
               <a:rPr lang="en-US" dirty="0" smtClean="0"/>
-              <a:t>Repeat the notes in order and disregard timing</a:t>
+              <a:t>Repeat the notes in order disregarding timing to an extent</a:t>
             </a:r>
             <a:endParaRPr lang="en-US" dirty="0"/>
           </a:p>
@@ -6637,7 +6728,7 @@
 </p:sld>
 </file>
 
-<file path=ppt/slides/slide11.xml><?xml version="1.0" encoding="utf-8"?>
+<file path=ppt/slides/slide12.xml><?xml version="1.0" encoding="utf-8"?>
 <p:sld xmlns:a="http://schemas.openxmlformats.org/drawingml/2006/main" xmlns:r="http://schemas.openxmlformats.org/officeDocument/2006/relationships" xmlns:p="http://schemas.openxmlformats.org/presentationml/2006/main">
   <p:cSld>
     <p:spTree>
@@ -6727,7 +6818,7 @@
 </p:sld>
 </file>
 
-<file path=ppt/slides/slide12.xml><?xml version="1.0" encoding="utf-8"?>
+<file path=ppt/slides/slide13.xml><?xml version="1.0" encoding="utf-8"?>
 <p:sld xmlns:a="http://schemas.openxmlformats.org/drawingml/2006/main" xmlns:r="http://schemas.openxmlformats.org/officeDocument/2006/relationships" xmlns:p="http://schemas.openxmlformats.org/presentationml/2006/main">
   <p:cSld>
     <p:spTree>
@@ -6810,19 +6901,7 @@
           <a:p>
             <a:r>
               <a:rPr lang="en-US" dirty="0"/>
-              <a:t>Clear bright </a:t>
-            </a:r>
-            <a:r>
-              <a:rPr lang="en-US" dirty="0" smtClean="0"/>
-              <a:t>colored blinking </a:t>
-            </a:r>
-            <a:r>
-              <a:rPr lang="en-US" dirty="0"/>
-              <a:t>light on played </a:t>
-            </a:r>
-            <a:r>
-              <a:rPr lang="en-US" dirty="0" smtClean="0"/>
-              <a:t>buttons</a:t>
+              <a:t>Played buttons clearly light up</a:t>
             </a:r>
           </a:p>
           <a:p>
@@ -6867,7 +6946,7 @@
 </p:sld>
 </file>
 
-<file path=ppt/slides/slide13.xml><?xml version="1.0" encoding="utf-8"?>
+<file path=ppt/slides/slide14.xml><?xml version="1.0" encoding="utf-8"?>
 <p:sld xmlns:a="http://schemas.openxmlformats.org/drawingml/2006/main" xmlns:r="http://schemas.openxmlformats.org/officeDocument/2006/relationships" xmlns:p="http://schemas.openxmlformats.org/presentationml/2006/main">
   <p:cSld>
     <p:spTree>
@@ -6957,125 +7036,6 @@
 </p:sld>
 </file>
 
-<file path=ppt/slides/slide14.xml><?xml version="1.0" encoding="utf-8"?>
-<p:sld xmlns:a="http://schemas.openxmlformats.org/drawingml/2006/main" xmlns:r="http://schemas.openxmlformats.org/officeDocument/2006/relationships" xmlns:p="http://schemas.openxmlformats.org/presentationml/2006/main">
-  <p:cSld>
-    <p:spTree>
-      <p:nvGrpSpPr>
-        <p:cNvPr id="1" name=""/>
-        <p:cNvGrpSpPr/>
-        <p:nvPr/>
-      </p:nvGrpSpPr>
-      <p:grpSpPr>
-        <a:xfrm>
-          <a:off x="0" y="0"/>
-          <a:ext cx="0" cy="0"/>
-          <a:chOff x="0" y="0"/>
-          <a:chExt cx="0" cy="0"/>
-        </a:xfrm>
-      </p:grpSpPr>
-      <p:sp>
-        <p:nvSpPr>
-          <p:cNvPr id="2" name="Title 1"/>
-          <p:cNvSpPr>
-            <a:spLocks noGrp="1"/>
-          </p:cNvSpPr>
-          <p:nvPr>
-            <p:ph type="title"/>
-          </p:nvPr>
-        </p:nvSpPr>
-        <p:spPr/>
-        <p:txBody>
-          <a:bodyPr/>
-          <a:lstStyle/>
-          <a:p>
-            <a:r>
-              <a:rPr lang="en-US" dirty="0" smtClean="0"/>
-              <a:t>Design </a:t>
-            </a:r>
-            <a:r>
-              <a:rPr lang="mr-IN" dirty="0" smtClean="0"/>
-              <a:t>–</a:t>
-            </a:r>
-            <a:r>
-              <a:rPr lang="en-US" dirty="0" smtClean="0"/>
-              <a:t> Shady Says</a:t>
-            </a:r>
-            <a:endParaRPr lang="en-US" dirty="0"/>
-          </a:p>
-        </p:txBody>
-      </p:sp>
-      <p:sp>
-        <p:nvSpPr>
-          <p:cNvPr id="3" name="Content Placeholder 2"/>
-          <p:cNvSpPr>
-            <a:spLocks noGrp="1"/>
-          </p:cNvSpPr>
-          <p:nvPr>
-            <p:ph idx="1"/>
-          </p:nvPr>
-        </p:nvSpPr>
-        <p:spPr/>
-        <p:txBody>
-          <a:bodyPr/>
-          <a:lstStyle/>
-          <a:p>
-            <a:r>
-              <a:rPr lang="en-US" dirty="0" smtClean="0"/>
-              <a:t>The </a:t>
-            </a:r>
-            <a:r>
-              <a:rPr lang="en-US" dirty="0"/>
-              <a:t>sequence is random and unbiased</a:t>
-            </a:r>
-            <a:endParaRPr lang="en-US" i="1" dirty="0"/>
-          </a:p>
-          <a:p>
-            <a:endParaRPr lang="en-US" dirty="0"/>
-          </a:p>
-          <a:p>
-            <a:r>
-              <a:rPr lang="en-US" dirty="0"/>
-              <a:t>Clear bright colored blinking light on played buttons</a:t>
-            </a:r>
-          </a:p>
-          <a:p>
-            <a:endParaRPr lang="en-US" dirty="0"/>
-          </a:p>
-          <a:p>
-            <a:r>
-              <a:rPr lang="en-US" dirty="0" smtClean="0"/>
-              <a:t>Button tones are randomized on every iteration</a:t>
-            </a:r>
-            <a:endParaRPr lang="en-US" dirty="0"/>
-          </a:p>
-          <a:p>
-            <a:endParaRPr lang="en-US" dirty="0"/>
-          </a:p>
-          <a:p>
-            <a:r>
-              <a:rPr lang="en-US" dirty="0"/>
-              <a:t>Repeat the notes in order to advance</a:t>
-            </a:r>
-          </a:p>
-          <a:p>
-            <a:endParaRPr lang="en-US" dirty="0"/>
-          </a:p>
-        </p:txBody>
-      </p:sp>
-    </p:spTree>
-    <p:extLst>
-      <p:ext uri="{BB962C8B-B14F-4D97-AF65-F5344CB8AC3E}">
-        <p14:creationId xmlns:p14="http://schemas.microsoft.com/office/powerpoint/2010/main" val="1960245435"/>
-      </p:ext>
-    </p:extLst>
-  </p:cSld>
-  <p:clrMapOvr>
-    <a:masterClrMapping/>
-  </p:clrMapOvr>
-</p:sld>
-</file>
-
 <file path=ppt/slides/slide15.xml><?xml version="1.0" encoding="utf-8"?>
 <p:sld xmlns:a="http://schemas.openxmlformats.org/drawingml/2006/main" xmlns:r="http://schemas.openxmlformats.org/officeDocument/2006/relationships" xmlns:p="http://schemas.openxmlformats.org/presentationml/2006/main">
   <p:cSld>
@@ -7100,18 +7060,85 @@
             <a:spLocks noGrp="1"/>
           </p:cNvSpPr>
           <p:nvPr>
-            <p:ph type="ctrTitle"/>
-          </p:nvPr>
-        </p:nvSpPr>
-        <p:spPr/>
-        <p:txBody>
-          <a:bodyPr/>
-          <a:lstStyle/>
-          <a:p>
-            <a:r>
-              <a:rPr lang="en-US" dirty="0" smtClean="0"/>
-              <a:t>Features</a:t>
-            </a:r>
+            <p:ph type="title"/>
+          </p:nvPr>
+        </p:nvSpPr>
+        <p:spPr/>
+        <p:txBody>
+          <a:bodyPr/>
+          <a:lstStyle/>
+          <a:p>
+            <a:r>
+              <a:rPr lang="en-US" dirty="0" smtClean="0"/>
+              <a:t>Design </a:t>
+            </a:r>
+            <a:r>
+              <a:rPr lang="mr-IN" dirty="0" smtClean="0"/>
+              <a:t>–</a:t>
+            </a:r>
+            <a:r>
+              <a:rPr lang="en-US" dirty="0" smtClean="0"/>
+              <a:t> Shady Says</a:t>
+            </a:r>
+            <a:endParaRPr lang="en-US" dirty="0"/>
+          </a:p>
+        </p:txBody>
+      </p:sp>
+      <p:sp>
+        <p:nvSpPr>
+          <p:cNvPr id="3" name="Content Placeholder 2"/>
+          <p:cNvSpPr>
+            <a:spLocks noGrp="1"/>
+          </p:cNvSpPr>
+          <p:nvPr>
+            <p:ph idx="1"/>
+          </p:nvPr>
+        </p:nvSpPr>
+        <p:spPr/>
+        <p:txBody>
+          <a:bodyPr/>
+          <a:lstStyle/>
+          <a:p>
+            <a:r>
+              <a:rPr lang="en-US" dirty="0" smtClean="0"/>
+              <a:t>The </a:t>
+            </a:r>
+            <a:r>
+              <a:rPr lang="en-US" dirty="0"/>
+              <a:t>sequence is random and unbiased</a:t>
+            </a:r>
+            <a:endParaRPr lang="en-US" i="1" dirty="0"/>
+          </a:p>
+          <a:p>
+            <a:endParaRPr lang="en-US" dirty="0"/>
+          </a:p>
+          <a:p>
+            <a:r>
+              <a:rPr lang="en-US" dirty="0" smtClean="0"/>
+              <a:t>Played buttons clearly light up</a:t>
+            </a:r>
+            <a:endParaRPr lang="en-US" dirty="0"/>
+          </a:p>
+          <a:p>
+            <a:endParaRPr lang="en-US" dirty="0"/>
+          </a:p>
+          <a:p>
+            <a:r>
+              <a:rPr lang="en-US" dirty="0" smtClean="0"/>
+              <a:t>Button tones are randomized on every iteration</a:t>
+            </a:r>
+            <a:endParaRPr lang="en-US" dirty="0"/>
+          </a:p>
+          <a:p>
+            <a:endParaRPr lang="en-US" dirty="0"/>
+          </a:p>
+          <a:p>
+            <a:r>
+              <a:rPr lang="en-US" dirty="0"/>
+              <a:t>Repeat the notes in order to advance</a:t>
+            </a:r>
+          </a:p>
+          <a:p>
             <a:endParaRPr lang="en-US" dirty="0"/>
           </a:p>
         </p:txBody>
@@ -7119,7 +7146,7 @@
     </p:spTree>
     <p:extLst>
       <p:ext uri="{BB962C8B-B14F-4D97-AF65-F5344CB8AC3E}">
-        <p14:creationId xmlns:p14="http://schemas.microsoft.com/office/powerpoint/2010/main" val="1111719650"/>
+        <p14:creationId xmlns:p14="http://schemas.microsoft.com/office/powerpoint/2010/main" val="1960245435"/>
       </p:ext>
     </p:extLst>
   </p:cSld>
@@ -7153,99 +7180,17 @@
             <a:spLocks noGrp="1"/>
           </p:cNvSpPr>
           <p:nvPr>
-            <p:ph type="title"/>
-          </p:nvPr>
-        </p:nvSpPr>
-        <p:spPr/>
-        <p:txBody>
-          <a:bodyPr/>
-          <a:lstStyle/>
-          <a:p>
-            <a:r>
-              <a:rPr lang="en-US" dirty="0" smtClean="0"/>
-              <a:t>Features </a:t>
-            </a:r>
-            <a:r>
-              <a:rPr lang="mr-IN" dirty="0" smtClean="0"/>
-              <a:t>–</a:t>
-            </a:r>
-            <a:r>
-              <a:rPr lang="en-US" dirty="0" smtClean="0"/>
-              <a:t> Original Sounds</a:t>
-            </a:r>
-            <a:endParaRPr lang="en-US" dirty="0"/>
-          </a:p>
-        </p:txBody>
-      </p:sp>
-      <p:sp>
-        <p:nvSpPr>
-          <p:cNvPr id="3" name="Content Placeholder 2"/>
-          <p:cNvSpPr>
-            <a:spLocks noGrp="1"/>
-          </p:cNvSpPr>
-          <p:nvPr>
-            <p:ph idx="1"/>
-          </p:nvPr>
-        </p:nvSpPr>
-        <p:spPr/>
-        <p:txBody>
-          <a:bodyPr/>
-          <a:lstStyle/>
-          <a:p>
-            <a:r>
-              <a:rPr lang="en-US" dirty="0" smtClean="0"/>
-              <a:t>Recorded from a Casio CTK </a:t>
-            </a:r>
-            <a:r>
-              <a:rPr lang="mr-IN" dirty="0" smtClean="0"/>
-              <a:t>–</a:t>
-            </a:r>
-            <a:r>
-              <a:rPr lang="en-US" dirty="0" smtClean="0"/>
-              <a:t> 6200 keyboard</a:t>
-            </a:r>
-          </a:p>
-          <a:p>
-            <a:endParaRPr lang="en-US" dirty="0" smtClean="0"/>
-          </a:p>
-          <a:p>
-            <a:r>
-              <a:rPr lang="en-US" dirty="0" smtClean="0"/>
-              <a:t>Recorded on </a:t>
-            </a:r>
-            <a:r>
-              <a:rPr lang="en-US" dirty="0" err="1" smtClean="0"/>
-              <a:t>Garageband</a:t>
-            </a:r>
-            <a:r>
-              <a:rPr lang="en-US" dirty="0" smtClean="0"/>
-              <a:t> on an iPhone</a:t>
-            </a:r>
-          </a:p>
-          <a:p>
-            <a:endParaRPr lang="en-US" dirty="0" smtClean="0"/>
-          </a:p>
-          <a:p>
-            <a:r>
-              <a:rPr lang="en-US" dirty="0" smtClean="0"/>
-              <a:t>Edited on </a:t>
-            </a:r>
-            <a:r>
-              <a:rPr lang="en-US" dirty="0" err="1" smtClean="0"/>
-              <a:t>Wavepad</a:t>
-            </a:r>
-            <a:r>
-              <a:rPr lang="en-US" dirty="0" smtClean="0"/>
-              <a:t> on a computer</a:t>
-            </a:r>
-          </a:p>
-          <a:p>
-            <a:endParaRPr lang="en-US" dirty="0" smtClean="0"/>
-          </a:p>
-          <a:p>
-            <a:r>
-              <a:rPr lang="en-US" dirty="0" smtClean="0"/>
-              <a:t>Freedom of publishing</a:t>
+            <p:ph type="ctrTitle"/>
+          </p:nvPr>
+        </p:nvSpPr>
+        <p:spPr/>
+        <p:txBody>
+          <a:bodyPr/>
+          <a:lstStyle/>
+          <a:p>
+            <a:r>
+              <a:rPr lang="en-US" dirty="0" smtClean="0"/>
+              <a:t>Features</a:t>
             </a:r>
             <a:endParaRPr lang="en-US" dirty="0"/>
           </a:p>
@@ -7254,7 +7199,7 @@
     </p:spTree>
     <p:extLst>
       <p:ext uri="{BB962C8B-B14F-4D97-AF65-F5344CB8AC3E}">
-        <p14:creationId xmlns:p14="http://schemas.microsoft.com/office/powerpoint/2010/main" val="355808992"/>
+        <p14:creationId xmlns:p14="http://schemas.microsoft.com/office/powerpoint/2010/main" val="1111719650"/>
       </p:ext>
     </p:extLst>
   </p:cSld>
@@ -7306,7 +7251,7 @@
             </a:r>
             <a:r>
               <a:rPr lang="en-US" dirty="0" smtClean="0"/>
-              <a:t> OS Independent</a:t>
+              <a:t> Original Sounds</a:t>
             </a:r>
             <a:endParaRPr lang="en-US" dirty="0"/>
           </a:p>
@@ -7329,7 +7274,15 @@
           <a:p>
             <a:r>
               <a:rPr lang="en-US" dirty="0" smtClean="0"/>
-              <a:t>Runs on any operating system</a:t>
+              <a:t>Recorded from a Casio CTK </a:t>
+            </a:r>
+            <a:r>
+              <a:rPr lang="mr-IN" dirty="0" smtClean="0"/>
+              <a:t>–</a:t>
+            </a:r>
+            <a:r>
+              <a:rPr lang="en-US" dirty="0" smtClean="0"/>
+              <a:t> 6200 keyboard</a:t>
             </a:r>
           </a:p>
           <a:p>
@@ -7338,15 +7291,15 @@
           <a:p>
             <a:r>
               <a:rPr lang="en-US" dirty="0" smtClean="0"/>
-              <a:t>Requires Python</a:t>
-            </a:r>
-            <a:r>
-              <a:rPr lang="en-US" dirty="0"/>
-              <a:t> </a:t>
-            </a:r>
-            <a:r>
-              <a:rPr lang="en-US" dirty="0" smtClean="0"/>
-              <a:t>2.7 or later</a:t>
+              <a:t>Recorded on </a:t>
+            </a:r>
+            <a:r>
+              <a:rPr lang="en-US" dirty="0" err="1" smtClean="0"/>
+              <a:t>Garageband</a:t>
+            </a:r>
+            <a:r>
+              <a:rPr lang="en-US" dirty="0" smtClean="0"/>
+              <a:t> on an iPhone</a:t>
             </a:r>
           </a:p>
           <a:p>
@@ -7355,23 +7308,33 @@
           <a:p>
             <a:r>
               <a:rPr lang="en-US" dirty="0" smtClean="0"/>
-              <a:t>Requires compatible </a:t>
+              <a:t>Edited on </a:t>
             </a:r>
             <a:r>
               <a:rPr lang="en-US" dirty="0" err="1" smtClean="0"/>
-              <a:t>Pygame</a:t>
-            </a:r>
-            <a:r>
-              <a:rPr lang="en-US" dirty="0" smtClean="0"/>
-              <a:t> version</a:t>
-            </a:r>
+              <a:t>Wavepad</a:t>
+            </a:r>
+            <a:r>
+              <a:rPr lang="en-US" dirty="0" smtClean="0"/>
+              <a:t> on a computer</a:t>
+            </a:r>
+          </a:p>
+          <a:p>
+            <a:endParaRPr lang="en-US" dirty="0" smtClean="0"/>
+          </a:p>
+          <a:p>
+            <a:r>
+              <a:rPr lang="en-US" dirty="0" smtClean="0"/>
+              <a:t>Freedom of publishing</a:t>
+            </a:r>
+            <a:endParaRPr lang="en-US" dirty="0"/>
           </a:p>
         </p:txBody>
       </p:sp>
     </p:spTree>
     <p:extLst>
       <p:ext uri="{BB962C8B-B14F-4D97-AF65-F5344CB8AC3E}">
-        <p14:creationId xmlns:p14="http://schemas.microsoft.com/office/powerpoint/2010/main" val="988170408"/>
+        <p14:creationId xmlns:p14="http://schemas.microsoft.com/office/powerpoint/2010/main" val="355808992"/>
       </p:ext>
     </p:extLst>
   </p:cSld>
@@ -7405,26 +7368,90 @@
             <a:spLocks noGrp="1"/>
           </p:cNvSpPr>
           <p:nvPr>
-            <p:ph type="ctrTitle"/>
-          </p:nvPr>
-        </p:nvSpPr>
-        <p:spPr/>
-        <p:txBody>
-          <a:bodyPr/>
-          <a:lstStyle/>
-          <a:p>
-            <a:r>
-              <a:rPr lang="en-US" dirty="0" smtClean="0"/>
-              <a:t>Testing</a:t>
-            </a:r>
-            <a:endParaRPr lang="en-US" dirty="0"/>
+            <p:ph type="title"/>
+          </p:nvPr>
+        </p:nvSpPr>
+        <p:spPr/>
+        <p:txBody>
+          <a:bodyPr/>
+          <a:lstStyle/>
+          <a:p>
+            <a:r>
+              <a:rPr lang="en-US" dirty="0" smtClean="0"/>
+              <a:t>Features </a:t>
+            </a:r>
+            <a:r>
+              <a:rPr lang="mr-IN" dirty="0" smtClean="0"/>
+              <a:t>–</a:t>
+            </a:r>
+            <a:r>
+              <a:rPr lang="en-US" dirty="0" smtClean="0"/>
+              <a:t> OS Independent</a:t>
+            </a:r>
+            <a:endParaRPr lang="en-US" dirty="0"/>
+          </a:p>
+        </p:txBody>
+      </p:sp>
+      <p:sp>
+        <p:nvSpPr>
+          <p:cNvPr id="3" name="Content Placeholder 2"/>
+          <p:cNvSpPr>
+            <a:spLocks noGrp="1"/>
+          </p:cNvSpPr>
+          <p:nvPr>
+            <p:ph idx="1"/>
+          </p:nvPr>
+        </p:nvSpPr>
+        <p:spPr/>
+        <p:txBody>
+          <a:bodyPr/>
+          <a:lstStyle/>
+          <a:p>
+            <a:r>
+              <a:rPr lang="en-US" dirty="0" smtClean="0"/>
+              <a:t>Runs on any operating system</a:t>
+            </a:r>
+          </a:p>
+          <a:p>
+            <a:endParaRPr lang="en-US" dirty="0" smtClean="0"/>
+          </a:p>
+          <a:p>
+            <a:r>
+              <a:rPr lang="en-US" dirty="0" smtClean="0"/>
+              <a:t>Requires Python</a:t>
+            </a:r>
+            <a:r>
+              <a:rPr lang="en-US" dirty="0"/>
+              <a:t> </a:t>
+            </a:r>
+            <a:r>
+              <a:rPr lang="en-US" dirty="0" smtClean="0"/>
+              <a:t>2.7 or later</a:t>
+            </a:r>
+          </a:p>
+          <a:p>
+            <a:endParaRPr lang="en-US" dirty="0" smtClean="0"/>
+          </a:p>
+          <a:p>
+            <a:r>
+              <a:rPr lang="en-US" dirty="0" smtClean="0"/>
+              <a:t>Requires compatible </a:t>
+            </a:r>
+            <a:r>
+              <a:rPr lang="en-US" dirty="0" err="1" smtClean="0"/>
+              <a:t>Pygame</a:t>
+            </a:r>
+            <a:r>
+              <a:rPr lang="en-US" dirty="0" smtClean="0"/>
+              <a:t> version</a:t>
+            </a:r>
           </a:p>
         </p:txBody>
       </p:sp>
     </p:spTree>
     <p:extLst>
       <p:ext uri="{BB962C8B-B14F-4D97-AF65-F5344CB8AC3E}">
-        <p14:creationId xmlns:p14="http://schemas.microsoft.com/office/powerpoint/2010/main" val="1564428650"/>
+        <p14:creationId xmlns:p14="http://schemas.microsoft.com/office/powerpoint/2010/main" val="988170408"/>
       </p:ext>
     </p:extLst>
   </p:cSld>
@@ -7458,99 +7485,18 @@
             <a:spLocks noGrp="1"/>
           </p:cNvSpPr>
           <p:nvPr>
-            <p:ph type="title"/>
-          </p:nvPr>
-        </p:nvSpPr>
-        <p:spPr/>
-        <p:txBody>
-          <a:bodyPr/>
-          <a:lstStyle/>
-          <a:p>
-            <a:r>
-              <a:rPr lang="en-US" dirty="0" smtClean="0"/>
-              <a:t>Testing </a:t>
-            </a:r>
-            <a:r>
-              <a:rPr lang="mr-IN" dirty="0" smtClean="0"/>
-              <a:t>–</a:t>
-            </a:r>
-            <a:r>
-              <a:rPr lang="en-US" dirty="0" smtClean="0"/>
-              <a:t> Manual Testing</a:t>
-            </a:r>
-            <a:br>
-              <a:rPr lang="en-US" dirty="0" smtClean="0"/>
-            </a:br>
-            <a:r>
-              <a:rPr lang="en-US" dirty="0" smtClean="0"/>
-              <a:t>					Functional Requirements</a:t>
-            </a:r>
-            <a:endParaRPr lang="en-US" dirty="0"/>
-          </a:p>
-        </p:txBody>
-      </p:sp>
-      <p:sp>
-        <p:nvSpPr>
-          <p:cNvPr id="3" name="Content Placeholder 2"/>
-          <p:cNvSpPr>
-            <a:spLocks noGrp="1"/>
-          </p:cNvSpPr>
-          <p:nvPr>
-            <p:ph idx="1"/>
-          </p:nvPr>
-        </p:nvSpPr>
-        <p:spPr/>
-        <p:txBody>
-          <a:bodyPr/>
-          <a:lstStyle/>
-          <a:p>
-            <a:r>
-              <a:rPr lang="en-US" dirty="0" smtClean="0"/>
-              <a:t>Time allocated to play the game</a:t>
-            </a:r>
-          </a:p>
-          <a:p>
-            <a:pPr lvl="1"/>
-            <a:r>
-              <a:rPr lang="en-US" dirty="0" smtClean="0"/>
-              <a:t>Specially after every modification</a:t>
-            </a:r>
-          </a:p>
-          <a:p>
-            <a:pPr lvl="1"/>
-            <a:endParaRPr lang="en-US" dirty="0" smtClean="0"/>
-          </a:p>
-          <a:p>
-            <a:r>
-              <a:rPr lang="en-US" dirty="0" smtClean="0"/>
-              <a:t>Test Cases</a:t>
-            </a:r>
-          </a:p>
-          <a:p>
-            <a:pPr lvl="1"/>
-            <a:r>
-              <a:rPr lang="en-US" dirty="0" smtClean="0"/>
-              <a:t>All three modes are ready for selection at all times</a:t>
-            </a:r>
-          </a:p>
-          <a:p>
-            <a:pPr lvl="1"/>
-            <a:r>
-              <a:rPr lang="en-US" dirty="0" smtClean="0"/>
-              <a:t>Score is updated accordingly (incremented and reset)</a:t>
-            </a:r>
-          </a:p>
-          <a:p>
-            <a:pPr lvl="1"/>
-            <a:r>
-              <a:rPr lang="en-US" dirty="0" smtClean="0"/>
-              <a:t>User input is ignored only during the playback of the sequence</a:t>
-            </a:r>
-          </a:p>
-          <a:p>
-            <a:endParaRPr lang="en-US" dirty="0"/>
-          </a:p>
-          <a:p>
+            <p:ph type="ctrTitle"/>
+          </p:nvPr>
+        </p:nvSpPr>
+        <p:spPr/>
+        <p:txBody>
+          <a:bodyPr/>
+          <a:lstStyle/>
+          <a:p>
+            <a:r>
+              <a:rPr lang="en-US" dirty="0" smtClean="0"/>
+              <a:t>Testing</a:t>
+            </a:r>
             <a:endParaRPr lang="en-US" dirty="0"/>
           </a:p>
         </p:txBody>
@@ -7558,7 +7504,7 @@
     </p:spTree>
     <p:extLst>
       <p:ext uri="{BB962C8B-B14F-4D97-AF65-F5344CB8AC3E}">
-        <p14:creationId xmlns:p14="http://schemas.microsoft.com/office/powerpoint/2010/main" val="1782292089"/>
+        <p14:creationId xmlns:p14="http://schemas.microsoft.com/office/powerpoint/2010/main" val="1564428650"/>
       </p:ext>
     </p:extLst>
   </p:cSld>
@@ -7621,58 +7567,60 @@
         <p:spPr/>
         <p:txBody>
           <a:bodyPr>
-            <a:normAutofit fontScale="92500" lnSpcReduction="10000"/>
+            <a:normAutofit lnSpcReduction="10000"/>
           </a:bodyPr>
           <a:lstStyle/>
           <a:p>
+            <a:pPr lvl="1"/>
             <a:r>
               <a:rPr lang="en-US" dirty="0" smtClean="0"/>
               <a:t>Introduction</a:t>
             </a:r>
           </a:p>
           <a:p>
-            <a:pPr lvl="2"/>
+            <a:pPr lvl="3"/>
             <a:r>
               <a:rPr lang="en-US" dirty="0" smtClean="0"/>
               <a:t>Purpose</a:t>
             </a:r>
           </a:p>
           <a:p>
-            <a:pPr lvl="2"/>
+            <a:pPr lvl="3"/>
             <a:r>
               <a:rPr lang="en-US" dirty="0" smtClean="0"/>
               <a:t>Background</a:t>
             </a:r>
           </a:p>
           <a:p>
-            <a:pPr lvl="2"/>
+            <a:pPr lvl="3"/>
             <a:r>
               <a:rPr lang="en-US" dirty="0" smtClean="0"/>
               <a:t>Scope</a:t>
             </a:r>
           </a:p>
           <a:p>
+            <a:pPr lvl="1"/>
             <a:r>
               <a:rPr lang="en-US" dirty="0" smtClean="0"/>
               <a:t>Discussion</a:t>
             </a:r>
           </a:p>
           <a:p>
-            <a:pPr lvl="2"/>
+            <a:pPr lvl="3"/>
             <a:r>
               <a:rPr lang="en-US" dirty="0" smtClean="0"/>
               <a:t>Design</a:t>
             </a:r>
           </a:p>
           <a:p>
-            <a:pPr lvl="2"/>
+            <a:pPr lvl="3"/>
             <a:r>
               <a:rPr lang="en-US" dirty="0" smtClean="0"/>
               <a:t>Features</a:t>
             </a:r>
           </a:p>
           <a:p>
-            <a:pPr lvl="2"/>
+            <a:pPr lvl="3"/>
             <a:r>
               <a:rPr lang="en-US" dirty="0" smtClean="0"/>
               <a:t>Testing</a:t>
@@ -7680,27 +7628,28 @@
             <a:endParaRPr lang="en-US" dirty="0"/>
           </a:p>
           <a:p>
+            <a:pPr lvl="1"/>
             <a:r>
               <a:rPr lang="en-US" dirty="0" smtClean="0"/>
               <a:t>Conclusion</a:t>
             </a:r>
           </a:p>
           <a:p>
-            <a:pPr lvl="2"/>
+            <a:pPr lvl="3"/>
             <a:r>
               <a:rPr lang="en-US" dirty="0" smtClean="0"/>
               <a:t>Summary</a:t>
             </a:r>
           </a:p>
           <a:p>
-            <a:pPr lvl="2"/>
+            <a:pPr lvl="3"/>
             <a:r>
               <a:rPr lang="en-US" dirty="0" smtClean="0"/>
               <a:t>Demonstration</a:t>
             </a:r>
           </a:p>
           <a:p>
-            <a:pPr lvl="2"/>
+            <a:pPr lvl="3"/>
             <a:r>
               <a:rPr lang="en-US" dirty="0" smtClean="0"/>
               <a:t>Questions</a:t>
@@ -7762,6 +7711,148 @@
           <a:lstStyle/>
           <a:p>
             <a:r>
+              <a:rPr lang="en-US" dirty="0" smtClean="0"/>
+              <a:t>Testing </a:t>
+            </a:r>
+            <a:r>
+              <a:rPr lang="mr-IN" dirty="0" smtClean="0"/>
+              <a:t>–</a:t>
+            </a:r>
+            <a:r>
+              <a:rPr lang="en-US" dirty="0" smtClean="0"/>
+              <a:t> Manual Testing</a:t>
+            </a:r>
+            <a:br>
+              <a:rPr lang="en-US" dirty="0" smtClean="0"/>
+            </a:br>
+            <a:r>
+              <a:rPr lang="en-US" dirty="0" smtClean="0"/>
+              <a:t>					Functional Requirements</a:t>
+            </a:r>
+            <a:endParaRPr lang="en-US" dirty="0"/>
+          </a:p>
+        </p:txBody>
+      </p:sp>
+      <p:sp>
+        <p:nvSpPr>
+          <p:cNvPr id="3" name="Content Placeholder 2"/>
+          <p:cNvSpPr>
+            <a:spLocks noGrp="1"/>
+          </p:cNvSpPr>
+          <p:nvPr>
+            <p:ph idx="1"/>
+          </p:nvPr>
+        </p:nvSpPr>
+        <p:spPr/>
+        <p:txBody>
+          <a:bodyPr/>
+          <a:lstStyle/>
+          <a:p>
+            <a:r>
+              <a:rPr lang="en-US" dirty="0" smtClean="0"/>
+              <a:t>Time allocated to play the game</a:t>
+            </a:r>
+          </a:p>
+          <a:p>
+            <a:pPr lvl="1"/>
+            <a:r>
+              <a:rPr lang="en-US" dirty="0" smtClean="0"/>
+              <a:t>Especially </a:t>
+            </a:r>
+            <a:r>
+              <a:rPr lang="en-US" dirty="0" smtClean="0"/>
+              <a:t>after </a:t>
+            </a:r>
+            <a:r>
+              <a:rPr lang="en-US" dirty="0" smtClean="0"/>
+              <a:t>every modification</a:t>
+            </a:r>
+          </a:p>
+          <a:p>
+            <a:pPr lvl="1"/>
+            <a:endParaRPr lang="en-US" dirty="0" smtClean="0"/>
+          </a:p>
+          <a:p>
+            <a:r>
+              <a:rPr lang="en-US" dirty="0" smtClean="0"/>
+              <a:t>Test Cases</a:t>
+            </a:r>
+          </a:p>
+          <a:p>
+            <a:pPr lvl="1"/>
+            <a:r>
+              <a:rPr lang="en-US" dirty="0" smtClean="0"/>
+              <a:t>All three modes are ready for selection at all times</a:t>
+            </a:r>
+          </a:p>
+          <a:p>
+            <a:pPr lvl="1"/>
+            <a:r>
+              <a:rPr lang="en-US" dirty="0" smtClean="0"/>
+              <a:t>Score is updated accordingly (incremented and reset)</a:t>
+            </a:r>
+          </a:p>
+          <a:p>
+            <a:pPr lvl="1"/>
+            <a:r>
+              <a:rPr lang="en-US" dirty="0" smtClean="0"/>
+              <a:t>User input is ignored only during the playback of the sequence</a:t>
+            </a:r>
+          </a:p>
+          <a:p>
+            <a:endParaRPr lang="en-US" dirty="0"/>
+          </a:p>
+          <a:p>
+            <a:endParaRPr lang="en-US" dirty="0"/>
+          </a:p>
+        </p:txBody>
+      </p:sp>
+    </p:spTree>
+    <p:extLst>
+      <p:ext uri="{BB962C8B-B14F-4D97-AF65-F5344CB8AC3E}">
+        <p14:creationId xmlns:p14="http://schemas.microsoft.com/office/powerpoint/2010/main" val="1782292089"/>
+      </p:ext>
+    </p:extLst>
+  </p:cSld>
+  <p:clrMapOvr>
+    <a:masterClrMapping/>
+  </p:clrMapOvr>
+</p:sld>
+</file>
+
+<file path=ppt/slides/slide21.xml><?xml version="1.0" encoding="utf-8"?>
+<p:sld xmlns:a="http://schemas.openxmlformats.org/drawingml/2006/main" xmlns:r="http://schemas.openxmlformats.org/officeDocument/2006/relationships" xmlns:p="http://schemas.openxmlformats.org/presentationml/2006/main">
+  <p:cSld>
+    <p:spTree>
+      <p:nvGrpSpPr>
+        <p:cNvPr id="1" name=""/>
+        <p:cNvGrpSpPr/>
+        <p:nvPr/>
+      </p:nvGrpSpPr>
+      <p:grpSpPr>
+        <a:xfrm>
+          <a:off x="0" y="0"/>
+          <a:ext cx="0" cy="0"/>
+          <a:chOff x="0" y="0"/>
+          <a:chExt cx="0" cy="0"/>
+        </a:xfrm>
+      </p:grpSpPr>
+      <p:sp>
+        <p:nvSpPr>
+          <p:cNvPr id="2" name="Title 1"/>
+          <p:cNvSpPr>
+            <a:spLocks noGrp="1"/>
+          </p:cNvSpPr>
+          <p:nvPr>
+            <p:ph type="title"/>
+          </p:nvPr>
+        </p:nvSpPr>
+        <p:spPr/>
+        <p:txBody>
+          <a:bodyPr/>
+          <a:lstStyle/>
+          <a:p>
+            <a:r>
               <a:rPr lang="en-US" dirty="0"/>
               <a:t>Testing </a:t>
             </a:r>
@@ -7809,8 +7900,13 @@
           <a:p>
             <a:r>
               <a:rPr lang="en-US" dirty="0"/>
-              <a:t>Performance Testing</a:t>
-            </a:r>
+              <a:t>Performance </a:t>
+            </a:r>
+            <a:r>
+              <a:rPr lang="en-US" dirty="0" smtClean="0"/>
+              <a:t>Requirements</a:t>
+            </a:r>
+            <a:endParaRPr lang="en-US" dirty="0"/>
           </a:p>
           <a:p>
             <a:pPr lvl="1"/>
@@ -7878,7 +7974,7 @@
 </p:sld>
 </file>
 
-<file path=ppt/slides/slide21.xml><?xml version="1.0" encoding="utf-8"?>
+<file path=ppt/slides/slide22.xml><?xml version="1.0" encoding="utf-8"?>
 <p:sld xmlns:a="http://schemas.openxmlformats.org/drawingml/2006/main" xmlns:r="http://schemas.openxmlformats.org/officeDocument/2006/relationships" xmlns:p="http://schemas.openxmlformats.org/presentationml/2006/main">
   <p:cSld>
     <p:spTree>
@@ -7972,7 +8068,7 @@
 </p:sld>
 </file>
 
-<file path=ppt/slides/slide22.xml><?xml version="1.0" encoding="utf-8"?>
+<file path=ppt/slides/slide23.xml><?xml version="1.0" encoding="utf-8"?>
 <p:sld xmlns:a="http://schemas.openxmlformats.org/drawingml/2006/main" xmlns:r="http://schemas.openxmlformats.org/officeDocument/2006/relationships" xmlns:p="http://schemas.openxmlformats.org/presentationml/2006/main">
   <p:cSld>
     <p:spTree>
@@ -8046,8 +8142,21 @@
           <a:p>
             <a:r>
               <a:rPr lang="en-US" dirty="0" smtClean="0"/>
-              <a:t>The user input was simulated by a randomizing algorithm</a:t>
-            </a:r>
+              <a:t>The user input was simulated by </a:t>
+            </a:r>
+            <a:r>
+              <a:rPr lang="en-US" dirty="0" smtClean="0"/>
+              <a:t>an unbiased </a:t>
+            </a:r>
+            <a:r>
+              <a:rPr lang="en-US" dirty="0" smtClean="0"/>
+              <a:t>randomizing </a:t>
+            </a:r>
+            <a:r>
+              <a:rPr lang="en-US" dirty="0" smtClean="0"/>
+              <a:t>algorithm</a:t>
+            </a:r>
+            <a:endParaRPr lang="en-US" dirty="0" smtClean="0"/>
           </a:p>
           <a:p>
             <a:endParaRPr lang="en-US" dirty="0" smtClean="0"/>
@@ -8074,7 +8183,11 @@
           <a:p>
             <a:r>
               <a:rPr lang="en-US" dirty="0" smtClean="0"/>
-              <a:t>Otherwise, the game ends accordingly</a:t>
+              <a:t>Otherwise </a:t>
+            </a:r>
+            <a:r>
+              <a:rPr lang="en-US" dirty="0" smtClean="0"/>
+              <a:t>the game ends accordingly</a:t>
             </a:r>
             <a:endParaRPr lang="en-US" dirty="0"/>
           </a:p>
@@ -8093,7 +8206,7 @@
 </p:sld>
 </file>
 
-<file path=ppt/slides/slide23.xml><?xml version="1.0" encoding="utf-8"?>
+<file path=ppt/slides/slide24.xml><?xml version="1.0" encoding="utf-8"?>
 <p:sld xmlns:a="http://schemas.openxmlformats.org/drawingml/2006/main" xmlns:r="http://schemas.openxmlformats.org/officeDocument/2006/relationships" xmlns:p="http://schemas.openxmlformats.org/presentationml/2006/main">
   <p:cSld>
     <p:spTree>
@@ -8217,7 +8330,7 @@
 </p:sld>
 </file>
 
-<file path=ppt/slides/slide24.xml><?xml version="1.0" encoding="utf-8"?>
+<file path=ppt/slides/slide25.xml><?xml version="1.0" encoding="utf-8"?>
 <p:sld xmlns:a="http://schemas.openxmlformats.org/drawingml/2006/main" xmlns:r="http://schemas.openxmlformats.org/officeDocument/2006/relationships" xmlns:p="http://schemas.openxmlformats.org/presentationml/2006/main">
   <p:cSld>
     <p:spTree>
@@ -8418,7 +8531,15 @@
             <a:pPr lvl="1"/>
             <a:r>
               <a:rPr lang="en-US" dirty="0" smtClean="0"/>
-              <a:t>Obtain a high grade in the course</a:t>
+              <a:t>Obtain a </a:t>
+            </a:r>
+            <a:r>
+              <a:rPr lang="en-US" dirty="0" smtClean="0"/>
+              <a:t>grade of 12 in </a:t>
+            </a:r>
+            <a:r>
+              <a:rPr lang="en-US" dirty="0" smtClean="0"/>
+              <a:t>the course</a:t>
             </a:r>
           </a:p>
           <a:p>
@@ -8522,7 +8643,11 @@
           <a:p>
             <a:r>
               <a:rPr lang="en-US" dirty="0" smtClean="0"/>
-              <a:t>Originally, consists of one simple mode</a:t>
+              <a:t>Originally </a:t>
+            </a:r>
+            <a:r>
+              <a:rPr lang="en-US" dirty="0" smtClean="0"/>
+              <a:t>consists of one simple mode</a:t>
             </a:r>
           </a:p>
           <a:p>
@@ -8585,6 +8710,13 @@
   <p:clrMapOvr>
     <a:masterClrMapping/>
   </p:clrMapOvr>
+  <p:timing>
+    <p:tnLst>
+      <p:par>
+        <p:cTn id="1" dur="indefinite" restart="never" nodeType="tmRoot"/>
+      </p:par>
+    </p:tnLst>
+  </p:timing>
 </p:sld>
 </file>
 
@@ -8696,17 +8828,30 @@
           <a:p>
             <a:r>
               <a:rPr lang="en-US" dirty="0" smtClean="0"/>
-              <a:t>Each mode has its own classic, yet original and creative features</a:t>
-            </a:r>
-          </a:p>
-          <a:p>
-            <a:endParaRPr lang="en-US" dirty="0"/>
-          </a:p>
-          <a:p>
-            <a:r>
-              <a:rPr lang="en-US" dirty="0" smtClean="0"/>
-              <a:t>One goal is to have this project become an example to follow for the following year</a:t>
-            </a:r>
+              <a:t>Each mode has its own </a:t>
+            </a:r>
+            <a:r>
+              <a:rPr lang="en-US" dirty="0" smtClean="0"/>
+              <a:t>classic </a:t>
+            </a:r>
+            <a:r>
+              <a:rPr lang="en-US" dirty="0" smtClean="0"/>
+              <a:t>yet original and creative features</a:t>
+            </a:r>
+          </a:p>
+          <a:p>
+            <a:endParaRPr lang="en-US" dirty="0"/>
+          </a:p>
+          <a:p>
+            <a:r>
+              <a:rPr lang="en-US" dirty="0" smtClean="0"/>
+              <a:t>One goal is to have this project become an example to follow for the following </a:t>
+            </a:r>
+            <a:r>
+              <a:rPr lang="en-US" dirty="0" smtClean="0"/>
+              <a:t>years</a:t>
+            </a:r>
+            <a:endParaRPr lang="en-US" dirty="0" smtClean="0"/>
           </a:p>
           <a:p>
             <a:endParaRPr lang="en-US" dirty="0"/>
@@ -8723,6 +8868,13 @@
   <p:clrMapOvr>
     <a:masterClrMapping/>
   </p:clrMapOvr>
+  <p:timing>
+    <p:tnLst>
+      <p:par>
+        <p:cTn id="1" dur="indefinite" restart="never" nodeType="tmRoot"/>
+      </p:par>
+    </p:tnLst>
+  </p:timing>
 </p:sld>
 </file>
 
@@ -8776,10 +8928,111 @@
   <p:clrMapOvr>
     <a:masterClrMapping/>
   </p:clrMapOvr>
+  <p:timing>
+    <p:tnLst>
+      <p:par>
+        <p:cTn id="1" dur="indefinite" restart="never" nodeType="tmRoot"/>
+      </p:par>
+    </p:tnLst>
+  </p:timing>
 </p:sld>
 </file>
 
 <file path=ppt/slides/slide7.xml><?xml version="1.0" encoding="utf-8"?>
+<p:sld xmlns:a="http://schemas.openxmlformats.org/drawingml/2006/main" xmlns:r="http://schemas.openxmlformats.org/officeDocument/2006/relationships" xmlns:p="http://schemas.openxmlformats.org/presentationml/2006/main">
+  <p:cSld>
+    <p:spTree>
+      <p:nvGrpSpPr>
+        <p:cNvPr id="1" name=""/>
+        <p:cNvGrpSpPr/>
+        <p:nvPr/>
+      </p:nvGrpSpPr>
+      <p:grpSpPr>
+        <a:xfrm>
+          <a:off x="0" y="0"/>
+          <a:ext cx="0" cy="0"/>
+          <a:chOff x="0" y="0"/>
+          <a:chExt cx="0" cy="0"/>
+        </a:xfrm>
+      </p:grpSpPr>
+      <p:sp>
+        <p:nvSpPr>
+          <p:cNvPr id="2" name="Title 1"/>
+          <p:cNvSpPr>
+            <a:spLocks noGrp="1"/>
+          </p:cNvSpPr>
+          <p:nvPr>
+            <p:ph type="title"/>
+          </p:nvPr>
+        </p:nvSpPr>
+        <p:spPr/>
+        <p:txBody>
+          <a:bodyPr/>
+          <a:lstStyle/>
+          <a:p>
+            <a:r>
+              <a:rPr lang="en-US" dirty="0" smtClean="0"/>
+              <a:t>Design </a:t>
+            </a:r>
+            <a:r>
+              <a:rPr lang="mr-IN" dirty="0" smtClean="0"/>
+              <a:t>–</a:t>
+            </a:r>
+            <a:r>
+              <a:rPr lang="en-US" dirty="0" smtClean="0"/>
+              <a:t> </a:t>
+            </a:r>
+            <a:r>
+              <a:rPr lang="en-US" dirty="0" smtClean="0"/>
+              <a:t>DNA Says</a:t>
+            </a:r>
+            <a:endParaRPr lang="en-US" dirty="0"/>
+          </a:p>
+        </p:txBody>
+      </p:sp>
+      <p:pic>
+        <p:nvPicPr>
+          <p:cNvPr id="4" name="Content Placeholder 3"/>
+          <p:cNvPicPr>
+            <a:picLocks noGrp="1" noChangeAspect="1"/>
+          </p:cNvPicPr>
+          <p:nvPr>
+            <p:ph idx="1"/>
+          </p:nvPr>
+        </p:nvPicPr>
+        <p:blipFill>
+          <a:blip r:embed="rId2">
+            <a:extLst>
+              <a:ext uri="{28A0092B-C50C-407E-A947-70E740481C1C}">
+                <a14:useLocalDpi xmlns:a14="http://schemas.microsoft.com/office/drawing/2010/main" val="0"/>
+              </a:ext>
+            </a:extLst>
+          </a:blip>
+          <a:stretch>
+            <a:fillRect/>
+          </a:stretch>
+        </p:blipFill>
+        <p:spPr>
+          <a:xfrm>
+            <a:off x="2737103" y="1597572"/>
+            <a:ext cx="6378880" cy="4509336"/>
+          </a:xfrm>
+        </p:spPr>
+      </p:pic>
+    </p:spTree>
+    <p:extLst>
+      <p:ext uri="{BB962C8B-B14F-4D97-AF65-F5344CB8AC3E}">
+        <p14:creationId xmlns:p14="http://schemas.microsoft.com/office/powerpoint/2010/main" val="467196275"/>
+      </p:ext>
+    </p:extLst>
+  </p:cSld>
+  <p:clrMapOvr>
+    <a:masterClrMapping/>
+  </p:clrMapOvr>
+</p:sld>
+</file>
+
+<file path=ppt/slides/slide8.xml><?xml version="1.0" encoding="utf-8"?>
 <p:sld xmlns:a="http://schemas.openxmlformats.org/drawingml/2006/main" xmlns:r="http://schemas.openxmlformats.org/officeDocument/2006/relationships" xmlns:p="http://schemas.openxmlformats.org/presentationml/2006/main">
   <p:cSld>
     <p:spTree>
@@ -8869,119 +9122,6 @@
 </p:sld>
 </file>
 
-<file path=ppt/slides/slide8.xml><?xml version="1.0" encoding="utf-8"?>
-<p:sld xmlns:a="http://schemas.openxmlformats.org/drawingml/2006/main" xmlns:r="http://schemas.openxmlformats.org/officeDocument/2006/relationships" xmlns:p="http://schemas.openxmlformats.org/presentationml/2006/main">
-  <p:cSld>
-    <p:spTree>
-      <p:nvGrpSpPr>
-        <p:cNvPr id="1" name=""/>
-        <p:cNvGrpSpPr/>
-        <p:nvPr/>
-      </p:nvGrpSpPr>
-      <p:grpSpPr>
-        <a:xfrm>
-          <a:off x="0" y="0"/>
-          <a:ext cx="0" cy="0"/>
-          <a:chOff x="0" y="0"/>
-          <a:chExt cx="0" cy="0"/>
-        </a:xfrm>
-      </p:grpSpPr>
-      <p:sp>
-        <p:nvSpPr>
-          <p:cNvPr id="2" name="Title 1"/>
-          <p:cNvSpPr>
-            <a:spLocks noGrp="1"/>
-          </p:cNvSpPr>
-          <p:nvPr>
-            <p:ph type="title"/>
-          </p:nvPr>
-        </p:nvSpPr>
-        <p:spPr/>
-        <p:txBody>
-          <a:bodyPr/>
-          <a:lstStyle/>
-          <a:p>
-            <a:r>
-              <a:rPr lang="en-US" dirty="0" smtClean="0"/>
-              <a:t>Design </a:t>
-            </a:r>
-            <a:r>
-              <a:rPr lang="mr-IN" dirty="0" smtClean="0"/>
-              <a:t>–</a:t>
-            </a:r>
-            <a:r>
-              <a:rPr lang="en-US" dirty="0" smtClean="0"/>
-              <a:t> Main Menu</a:t>
-            </a:r>
-            <a:endParaRPr lang="en-US" dirty="0"/>
-          </a:p>
-        </p:txBody>
-      </p:sp>
-      <p:sp>
-        <p:nvSpPr>
-          <p:cNvPr id="3" name="Content Placeholder 2"/>
-          <p:cNvSpPr>
-            <a:spLocks noGrp="1"/>
-          </p:cNvSpPr>
-          <p:nvPr>
-            <p:ph idx="1"/>
-          </p:nvPr>
-        </p:nvSpPr>
-        <p:spPr/>
-        <p:txBody>
-          <a:bodyPr/>
-          <a:lstStyle/>
-          <a:p>
-            <a:r>
-              <a:rPr lang="en-US" dirty="0" smtClean="0"/>
-              <a:t>Simple</a:t>
-            </a:r>
-            <a:r>
-              <a:rPr lang="en-US" dirty="0"/>
-              <a:t> </a:t>
-            </a:r>
-            <a:r>
-              <a:rPr lang="en-US" dirty="0" smtClean="0"/>
-              <a:t>and user-friendly</a:t>
-            </a:r>
-          </a:p>
-          <a:p>
-            <a:endParaRPr lang="en-US" dirty="0"/>
-          </a:p>
-          <a:p>
-            <a:r>
-              <a:rPr lang="en-US" dirty="0" smtClean="0"/>
-              <a:t>Only functionality is selecting a mode</a:t>
-            </a:r>
-          </a:p>
-          <a:p>
-            <a:endParaRPr lang="en-US" dirty="0"/>
-          </a:p>
-          <a:p>
-            <a:r>
-              <a:rPr lang="en-US" dirty="0" smtClean="0"/>
-              <a:t>Instructions available on screen</a:t>
-            </a:r>
-            <a:endParaRPr lang="en-US" dirty="0" smtClean="0"/>
-          </a:p>
-          <a:p>
-            <a:endParaRPr lang="en-US" dirty="0"/>
-          </a:p>
-        </p:txBody>
-      </p:sp>
-    </p:spTree>
-    <p:extLst>
-      <p:ext uri="{BB962C8B-B14F-4D97-AF65-F5344CB8AC3E}">
-        <p14:creationId xmlns:p14="http://schemas.microsoft.com/office/powerpoint/2010/main" val="2004024795"/>
-      </p:ext>
-    </p:extLst>
-  </p:cSld>
-  <p:clrMapOvr>
-    <a:masterClrMapping/>
-  </p:clrMapOvr>
-</p:sld>
-</file>
-
 <file path=ppt/slides/slide9.xml><?xml version="1.0" encoding="utf-8"?>
 <p:sld xmlns:a="http://schemas.openxmlformats.org/drawingml/2006/main" xmlns:r="http://schemas.openxmlformats.org/officeDocument/2006/relationships" xmlns:p="http://schemas.openxmlformats.org/presentationml/2006/main">
   <p:cSld>
@@ -9024,45 +9164,68 @@
             </a:r>
             <a:r>
               <a:rPr lang="en-US" dirty="0" smtClean="0"/>
-              <a:t> Kareem Says</a:t>
-            </a:r>
-            <a:endParaRPr lang="en-US" dirty="0"/>
-          </a:p>
-        </p:txBody>
-      </p:sp>
-      <p:pic>
-        <p:nvPicPr>
-          <p:cNvPr id="4" name="Content Placeholder 3"/>
-          <p:cNvPicPr>
-            <a:picLocks noGrp="1" noChangeAspect="1"/>
-          </p:cNvPicPr>
+              <a:t> Main Menu</a:t>
+            </a:r>
+            <a:endParaRPr lang="en-US" dirty="0"/>
+          </a:p>
+        </p:txBody>
+      </p:sp>
+      <p:sp>
+        <p:nvSpPr>
+          <p:cNvPr id="3" name="Content Placeholder 2"/>
+          <p:cNvSpPr>
+            <a:spLocks noGrp="1"/>
+          </p:cNvSpPr>
           <p:nvPr>
             <p:ph idx="1"/>
           </p:nvPr>
-        </p:nvPicPr>
-        <p:blipFill>
-          <a:blip r:embed="rId2">
-            <a:extLst>
-              <a:ext uri="{28A0092B-C50C-407E-A947-70E740481C1C}">
-                <a14:useLocalDpi xmlns:a14="http://schemas.microsoft.com/office/drawing/2010/main" val="0"/>
-              </a:ext>
-            </a:extLst>
-          </a:blip>
-          <a:stretch>
-            <a:fillRect/>
-          </a:stretch>
-        </p:blipFill>
-        <p:spPr>
-          <a:xfrm>
-            <a:off x="2936951" y="2052638"/>
-            <a:ext cx="5279874" cy="4195762"/>
-          </a:xfrm>
-        </p:spPr>
-      </p:pic>
+        </p:nvSpPr>
+        <p:spPr/>
+        <p:txBody>
+          <a:bodyPr/>
+          <a:lstStyle/>
+          <a:p>
+            <a:r>
+              <a:rPr lang="en-US" dirty="0" smtClean="0"/>
+              <a:t>Simple</a:t>
+            </a:r>
+            <a:r>
+              <a:rPr lang="en-US" dirty="0"/>
+              <a:t> </a:t>
+            </a:r>
+            <a:r>
+              <a:rPr lang="en-US" dirty="0" smtClean="0"/>
+              <a:t>and user-friendly interface</a:t>
+            </a:r>
+          </a:p>
+          <a:p>
+            <a:endParaRPr lang="en-US" dirty="0"/>
+          </a:p>
+          <a:p>
+            <a:r>
+              <a:rPr lang="en-US" dirty="0" smtClean="0"/>
+              <a:t>Its only functionality is to select a mode</a:t>
+            </a:r>
+          </a:p>
+          <a:p>
+            <a:endParaRPr lang="en-US" dirty="0"/>
+          </a:p>
+          <a:p>
+            <a:r>
+              <a:rPr lang="en-US" dirty="0" smtClean="0"/>
+              <a:t>Instructions always available on the screen</a:t>
+            </a:r>
+            <a:endParaRPr lang="en-US" dirty="0" smtClean="0"/>
+          </a:p>
+          <a:p>
+            <a:endParaRPr lang="en-US" dirty="0"/>
+          </a:p>
+        </p:txBody>
+      </p:sp>
     </p:spTree>
     <p:extLst>
       <p:ext uri="{BB962C8B-B14F-4D97-AF65-F5344CB8AC3E}">
-        <p14:creationId xmlns:p14="http://schemas.microsoft.com/office/powerpoint/2010/main" val="1783800799"/>
+        <p14:creationId xmlns:p14="http://schemas.microsoft.com/office/powerpoint/2010/main" val="2004024795"/>
       </p:ext>
     </p:extLst>
   </p:cSld>
